--- a/RFS_Projekt.pptx
+++ b/RFS_Projekt.pptx
@@ -8,6 +8,7 @@
     <p:sldId id="256" r:id="rId2"/>
     <p:sldId id="257" r:id="rId3"/>
     <p:sldId id="258" r:id="rId4"/>
+    <p:sldId id="259" r:id="rId5"/>
   </p:sldIdLst>
   <p:sldSz cx="12192000" cy="6858000"/>
   <p:notesSz cx="6858000" cy="9144000"/>
@@ -106,6 +107,11 @@
       </a:defRPr>
     </a:lvl9pPr>
   </p:defaultTextStyle>
+  <p:extLst>
+    <p:ext uri="{EFAFB233-063F-42B5-8137-9DF3F51BA10A}">
+      <p15:sldGuideLst xmlns:p15="http://schemas.microsoft.com/office/powerpoint/2012/main"/>
+    </p:ext>
+  </p:extLst>
 </p:presentation>
 </file>
 
@@ -3678,7 +3684,7 @@
             <a:pPr algn="ctr"/>
             <a:r>
               <a:rPr lang="de-DE" dirty="0"/>
-              <a:t>(250, -380)</a:t>
+              <a:t>(200, -500)</a:t>
             </a:r>
           </a:p>
         </p:txBody>
@@ -3732,7 +3738,7 @@
             <a:pPr algn="ctr"/>
             <a:r>
               <a:rPr lang="de-DE" dirty="0"/>
-              <a:t>(-150,-380)</a:t>
+              <a:t>(-150,-480)</a:t>
             </a:r>
           </a:p>
         </p:txBody>
@@ -3786,7 +3792,7 @@
             <a:pPr algn="ctr"/>
             <a:r>
               <a:rPr lang="de-DE" dirty="0"/>
-              <a:t>(180, -220)</a:t>
+              <a:t>(220, -350)</a:t>
             </a:r>
           </a:p>
         </p:txBody>
@@ -3805,8 +3811,8 @@
         </p:nvSpPr>
         <p:spPr>
           <a:xfrm>
-            <a:off x="8011207" y="4035957"/>
-            <a:ext cx="1247686" cy="717847"/>
+            <a:off x="8011206" y="4035957"/>
+            <a:ext cx="1335417" cy="717847"/>
           </a:xfrm>
           <a:prstGeom prst="rect">
             <a:avLst/>
@@ -3840,7 +3846,7 @@
             <a:pPr algn="ctr"/>
             <a:r>
               <a:rPr lang="de-DE" dirty="0"/>
-              <a:t>(-50, -220)</a:t>
+              <a:t>(-200, -340)</a:t>
             </a:r>
           </a:p>
         </p:txBody>
@@ -3894,7 +3900,7 @@
             <a:pPr algn="ctr"/>
             <a:r>
               <a:rPr lang="de-DE" dirty="0"/>
-              <a:t>(0, -300)</a:t>
+              <a:t>(0, -420)</a:t>
             </a:r>
           </a:p>
         </p:txBody>
@@ -4253,10 +4259,9 @@
           </a:p>
           <a:p>
             <a:r>
-              <a:rPr lang="de-DE"/>
+              <a:rPr lang="de-DE" dirty="0"/>
               <a:t>Untere Achse: y -330</a:t>
             </a:r>
-            <a:endParaRPr lang="de-DE" dirty="0"/>
           </a:p>
           <a:p>
             <a:endParaRPr lang="de-DE" dirty="0"/>
@@ -4267,6 +4272,849 @@
     <p:extLst>
       <p:ext uri="{BB962C8B-B14F-4D97-AF65-F5344CB8AC3E}">
         <p14:creationId xmlns:p14="http://schemas.microsoft.com/office/powerpoint/2010/main" val="194090467"/>
+      </p:ext>
+    </p:extLst>
+  </p:cSld>
+  <p:clrMapOvr>
+    <a:masterClrMapping/>
+  </p:clrMapOvr>
+</p:sld>
+</file>
+
+<file path=ppt/slides/slide4.xml><?xml version="1.0" encoding="utf-8"?>
+<p:sld xmlns:a="http://schemas.openxmlformats.org/drawingml/2006/main" xmlns:r="http://schemas.openxmlformats.org/officeDocument/2006/relationships" xmlns:p="http://schemas.openxmlformats.org/presentationml/2006/main">
+  <p:cSld>
+    <p:spTree>
+      <p:nvGrpSpPr>
+        <p:cNvPr id="1" name=""/>
+        <p:cNvGrpSpPr/>
+        <p:nvPr/>
+      </p:nvGrpSpPr>
+      <p:grpSpPr>
+        <a:xfrm>
+          <a:off x="0" y="0"/>
+          <a:ext cx="0" cy="0"/>
+          <a:chOff x="0" y="0"/>
+          <a:chExt cx="0" cy="0"/>
+        </a:xfrm>
+      </p:grpSpPr>
+      <p:sp>
+        <p:nvSpPr>
+          <p:cNvPr id="4" name="Rechteck 3">
+            <a:extLst>
+              <a:ext uri="{FF2B5EF4-FFF2-40B4-BE49-F238E27FC236}">
+                <a16:creationId xmlns:a16="http://schemas.microsoft.com/office/drawing/2014/main" id="{54F6FDB4-60A5-FAC7-CEBD-5584E08BAA63}"/>
+              </a:ext>
+            </a:extLst>
+          </p:cNvPr>
+          <p:cNvSpPr/>
+          <p:nvPr/>
+        </p:nvSpPr>
+        <p:spPr>
+          <a:xfrm>
+            <a:off x="2836985" y="1356946"/>
+            <a:ext cx="6230815" cy="4144108"/>
+          </a:xfrm>
+          <a:prstGeom prst="rect">
+            <a:avLst/>
+          </a:prstGeom>
+          <a:noFill/>
+          <a:ln w="28575" cap="flat" cmpd="sng" algn="ctr">
+            <a:solidFill>
+              <a:schemeClr val="accent1"/>
+            </a:solidFill>
+            <a:prstDash val="dash"/>
+            <a:round/>
+            <a:headEnd type="none" w="med" len="med"/>
+            <a:tailEnd type="none" w="med" len="med"/>
+          </a:ln>
+        </p:spPr>
+        <p:style>
+          <a:lnRef idx="0">
+            <a:scrgbClr r="0" g="0" b="0"/>
+          </a:lnRef>
+          <a:fillRef idx="0">
+            <a:scrgbClr r="0" g="0" b="0"/>
+          </a:fillRef>
+          <a:effectRef idx="0">
+            <a:scrgbClr r="0" g="0" b="0"/>
+          </a:effectRef>
+          <a:fontRef idx="minor">
+            <a:schemeClr val="dk1"/>
+          </a:fontRef>
+        </p:style>
+        <p:txBody>
+          <a:bodyPr rtlCol="0" anchor="ctr"/>
+          <a:lstStyle/>
+          <a:p>
+            <a:pPr algn="ctr"/>
+            <a:endParaRPr lang="de-DE"/>
+          </a:p>
+        </p:txBody>
+      </p:sp>
+      <p:sp>
+        <p:nvSpPr>
+          <p:cNvPr id="5" name="Rechteck 4">
+            <a:extLst>
+              <a:ext uri="{FF2B5EF4-FFF2-40B4-BE49-F238E27FC236}">
+                <a16:creationId xmlns:a16="http://schemas.microsoft.com/office/drawing/2014/main" id="{1076AFD3-AB81-45A0-0AD2-5EF2B8E2871B}"/>
+              </a:ext>
+            </a:extLst>
+          </p:cNvPr>
+          <p:cNvSpPr/>
+          <p:nvPr/>
+        </p:nvSpPr>
+        <p:spPr>
+          <a:xfrm>
+            <a:off x="2280138" y="2455984"/>
+            <a:ext cx="7280031" cy="3358662"/>
+          </a:xfrm>
+          <a:prstGeom prst="rect">
+            <a:avLst/>
+          </a:prstGeom>
+          <a:noFill/>
+          <a:ln w="28575" cap="flat" cmpd="sng" algn="ctr">
+            <a:solidFill>
+              <a:srgbClr val="00B050"/>
+            </a:solidFill>
+            <a:prstDash val="dash"/>
+            <a:round/>
+            <a:headEnd type="none" w="med" len="med"/>
+            <a:tailEnd type="none" w="med" len="med"/>
+          </a:ln>
+        </p:spPr>
+        <p:style>
+          <a:lnRef idx="0">
+            <a:scrgbClr r="0" g="0" b="0"/>
+          </a:lnRef>
+          <a:fillRef idx="0">
+            <a:scrgbClr r="0" g="0" b="0"/>
+          </a:fillRef>
+          <a:effectRef idx="0">
+            <a:scrgbClr r="0" g="0" b="0"/>
+          </a:effectRef>
+          <a:fontRef idx="minor">
+            <a:schemeClr val="dk1"/>
+          </a:fontRef>
+        </p:style>
+        <p:txBody>
+          <a:bodyPr rtlCol="0" anchor="ctr"/>
+          <a:lstStyle/>
+          <a:p>
+            <a:pPr algn="ctr"/>
+            <a:endParaRPr lang="de-DE"/>
+          </a:p>
+        </p:txBody>
+      </p:sp>
+      <p:sp>
+        <p:nvSpPr>
+          <p:cNvPr id="6" name="Rechteck 5">
+            <a:extLst>
+              <a:ext uri="{FF2B5EF4-FFF2-40B4-BE49-F238E27FC236}">
+                <a16:creationId xmlns:a16="http://schemas.microsoft.com/office/drawing/2014/main" id="{4977137D-8F7B-F73C-9BF2-117EC6E179AD}"/>
+              </a:ext>
+            </a:extLst>
+          </p:cNvPr>
+          <p:cNvSpPr/>
+          <p:nvPr/>
+        </p:nvSpPr>
+        <p:spPr>
+          <a:xfrm>
+            <a:off x="2836985" y="2455984"/>
+            <a:ext cx="6230815" cy="3045069"/>
+          </a:xfrm>
+          <a:prstGeom prst="rect">
+            <a:avLst/>
+          </a:prstGeom>
+          <a:solidFill>
+            <a:schemeClr val="accent3">
+              <a:lumMod val="75000"/>
+              <a:alpha val="32157"/>
+            </a:schemeClr>
+          </a:solidFill>
+          <a:ln w="28575" cap="flat" cmpd="sng" algn="ctr">
+            <a:noFill/>
+            <a:prstDash val="dash"/>
+            <a:round/>
+            <a:headEnd type="none" w="med" len="med"/>
+            <a:tailEnd type="none" w="med" len="med"/>
+          </a:ln>
+        </p:spPr>
+        <p:style>
+          <a:lnRef idx="0">
+            <a:scrgbClr r="0" g="0" b="0"/>
+          </a:lnRef>
+          <a:fillRef idx="0">
+            <a:scrgbClr r="0" g="0" b="0"/>
+          </a:fillRef>
+          <a:effectRef idx="0">
+            <a:scrgbClr r="0" g="0" b="0"/>
+          </a:effectRef>
+          <a:fontRef idx="minor">
+            <a:schemeClr val="dk1"/>
+          </a:fontRef>
+        </p:style>
+        <p:txBody>
+          <a:bodyPr rtlCol="0" anchor="ctr"/>
+          <a:lstStyle/>
+          <a:p>
+            <a:pPr algn="ctr"/>
+            <a:endParaRPr lang="de-DE"/>
+          </a:p>
+        </p:txBody>
+      </p:sp>
+      <p:sp>
+        <p:nvSpPr>
+          <p:cNvPr id="9" name="Textfeld 8">
+            <a:extLst>
+              <a:ext uri="{FF2B5EF4-FFF2-40B4-BE49-F238E27FC236}">
+                <a16:creationId xmlns:a16="http://schemas.microsoft.com/office/drawing/2014/main" id="{88C6D7B2-821F-4C49-0629-A3CCCEFAFC3E}"/>
+              </a:ext>
+            </a:extLst>
+          </p:cNvPr>
+          <p:cNvSpPr txBox="1"/>
+          <p:nvPr/>
+        </p:nvSpPr>
+        <p:spPr>
+          <a:xfrm>
+            <a:off x="9503707" y="2271318"/>
+            <a:ext cx="1226618" cy="369332"/>
+          </a:xfrm>
+          <a:prstGeom prst="rect">
+            <a:avLst/>
+          </a:prstGeom>
+          <a:noFill/>
+        </p:spPr>
+        <p:txBody>
+          <a:bodyPr wrap="none" rtlCol="0">
+            <a:spAutoFit/>
+          </a:bodyPr>
+          <a:lstStyle/>
+          <a:p>
+            <a:r>
+              <a:rPr lang="de-DE" dirty="0"/>
+              <a:t>(-255,-550)</a:t>
+            </a:r>
+          </a:p>
+        </p:txBody>
+      </p:sp>
+      <p:sp>
+        <p:nvSpPr>
+          <p:cNvPr id="10" name="Textfeld 9">
+            <a:extLst>
+              <a:ext uri="{FF2B5EF4-FFF2-40B4-BE49-F238E27FC236}">
+                <a16:creationId xmlns:a16="http://schemas.microsoft.com/office/drawing/2014/main" id="{C69CE78F-7272-789F-C79B-9B37911C1FC1}"/>
+              </a:ext>
+            </a:extLst>
+          </p:cNvPr>
+          <p:cNvSpPr txBox="1"/>
+          <p:nvPr/>
+        </p:nvSpPr>
+        <p:spPr>
+          <a:xfrm>
+            <a:off x="9531938" y="5629980"/>
+            <a:ext cx="1226618" cy="369332"/>
+          </a:xfrm>
+          <a:prstGeom prst="rect">
+            <a:avLst/>
+          </a:prstGeom>
+          <a:noFill/>
+        </p:spPr>
+        <p:txBody>
+          <a:bodyPr wrap="none" rtlCol="0">
+            <a:spAutoFit/>
+          </a:bodyPr>
+          <a:lstStyle/>
+          <a:p>
+            <a:r>
+              <a:rPr lang="de-DE" dirty="0"/>
+              <a:t>(-255,-310)</a:t>
+            </a:r>
+          </a:p>
+        </p:txBody>
+      </p:sp>
+      <p:sp>
+        <p:nvSpPr>
+          <p:cNvPr id="12" name="Textfeld 11">
+            <a:extLst>
+              <a:ext uri="{FF2B5EF4-FFF2-40B4-BE49-F238E27FC236}">
+                <a16:creationId xmlns:a16="http://schemas.microsoft.com/office/drawing/2014/main" id="{9C376131-FAA8-1D27-B11C-5AE39CA05454}"/>
+              </a:ext>
+            </a:extLst>
+          </p:cNvPr>
+          <p:cNvSpPr txBox="1"/>
+          <p:nvPr/>
+        </p:nvSpPr>
+        <p:spPr>
+          <a:xfrm>
+            <a:off x="7870192" y="2388549"/>
+            <a:ext cx="1271954" cy="369332"/>
+          </a:xfrm>
+          <a:prstGeom prst="rect">
+            <a:avLst/>
+          </a:prstGeom>
+          <a:noFill/>
+        </p:spPr>
+        <p:txBody>
+          <a:bodyPr wrap="square">
+            <a:spAutoFit/>
+          </a:bodyPr>
+          <a:lstStyle/>
+          <a:p>
+            <a:r>
+              <a:rPr lang="de-DE" dirty="0"/>
+              <a:t>(-195, -550)</a:t>
+            </a:r>
+          </a:p>
+        </p:txBody>
+      </p:sp>
+      <p:sp>
+        <p:nvSpPr>
+          <p:cNvPr id="14" name="Textfeld 13">
+            <a:extLst>
+              <a:ext uri="{FF2B5EF4-FFF2-40B4-BE49-F238E27FC236}">
+                <a16:creationId xmlns:a16="http://schemas.microsoft.com/office/drawing/2014/main" id="{C1E78D8B-B466-CC03-0561-95642C259306}"/>
+              </a:ext>
+            </a:extLst>
+          </p:cNvPr>
+          <p:cNvSpPr txBox="1"/>
+          <p:nvPr/>
+        </p:nvSpPr>
+        <p:spPr>
+          <a:xfrm>
+            <a:off x="2780523" y="2455983"/>
+            <a:ext cx="1225062" cy="369332"/>
+          </a:xfrm>
+          <a:prstGeom prst="rect">
+            <a:avLst/>
+          </a:prstGeom>
+          <a:noFill/>
+        </p:spPr>
+        <p:txBody>
+          <a:bodyPr wrap="square">
+            <a:spAutoFit/>
+          </a:bodyPr>
+          <a:lstStyle/>
+          <a:p>
+            <a:r>
+              <a:rPr lang="de-DE" dirty="0"/>
+              <a:t>(260, -550)</a:t>
+            </a:r>
+          </a:p>
+        </p:txBody>
+      </p:sp>
+      <p:sp>
+        <p:nvSpPr>
+          <p:cNvPr id="16" name="Textfeld 15">
+            <a:extLst>
+              <a:ext uri="{FF2B5EF4-FFF2-40B4-BE49-F238E27FC236}">
+                <a16:creationId xmlns:a16="http://schemas.microsoft.com/office/drawing/2014/main" id="{A946D056-D6A0-FA2A-CC04-0AEE6ECA53A6}"/>
+              </a:ext>
+            </a:extLst>
+          </p:cNvPr>
+          <p:cNvSpPr txBox="1"/>
+          <p:nvPr/>
+        </p:nvSpPr>
+        <p:spPr>
+          <a:xfrm>
+            <a:off x="2762639" y="5122901"/>
+            <a:ext cx="1225062" cy="369332"/>
+          </a:xfrm>
+          <a:prstGeom prst="rect">
+            <a:avLst/>
+          </a:prstGeom>
+          <a:noFill/>
+        </p:spPr>
+        <p:txBody>
+          <a:bodyPr wrap="square">
+            <a:spAutoFit/>
+          </a:bodyPr>
+          <a:lstStyle/>
+          <a:p>
+            <a:r>
+              <a:rPr lang="de-DE" dirty="0"/>
+              <a:t>(260,-330)</a:t>
+            </a:r>
+          </a:p>
+        </p:txBody>
+      </p:sp>
+      <p:sp>
+        <p:nvSpPr>
+          <p:cNvPr id="17" name="Textfeld 16">
+            <a:extLst>
+              <a:ext uri="{FF2B5EF4-FFF2-40B4-BE49-F238E27FC236}">
+                <a16:creationId xmlns:a16="http://schemas.microsoft.com/office/drawing/2014/main" id="{4429CB08-F5AC-4D82-6079-4C9DB56B324C}"/>
+              </a:ext>
+            </a:extLst>
+          </p:cNvPr>
+          <p:cNvSpPr txBox="1"/>
+          <p:nvPr/>
+        </p:nvSpPr>
+        <p:spPr>
+          <a:xfrm>
+            <a:off x="7893638" y="5131722"/>
+            <a:ext cx="1225062" cy="369332"/>
+          </a:xfrm>
+          <a:prstGeom prst="rect">
+            <a:avLst/>
+          </a:prstGeom>
+          <a:noFill/>
+        </p:spPr>
+        <p:txBody>
+          <a:bodyPr wrap="square">
+            <a:spAutoFit/>
+          </a:bodyPr>
+          <a:lstStyle/>
+          <a:p>
+            <a:r>
+              <a:rPr lang="de-DE" dirty="0"/>
+              <a:t>(-195,-330)</a:t>
+            </a:r>
+          </a:p>
+        </p:txBody>
+      </p:sp>
+      <p:sp>
+        <p:nvSpPr>
+          <p:cNvPr id="18" name="Multiplikationszeichen 17">
+            <a:extLst>
+              <a:ext uri="{FF2B5EF4-FFF2-40B4-BE49-F238E27FC236}">
+                <a16:creationId xmlns:a16="http://schemas.microsoft.com/office/drawing/2014/main" id="{2D25C375-5274-7091-4ADA-2122907FE152}"/>
+              </a:ext>
+            </a:extLst>
+          </p:cNvPr>
+          <p:cNvSpPr/>
+          <p:nvPr/>
+        </p:nvSpPr>
+        <p:spPr>
+          <a:xfrm>
+            <a:off x="2176103" y="2346079"/>
+            <a:ext cx="224101" cy="219808"/>
+          </a:xfrm>
+          <a:prstGeom prst="mathMultiply">
+            <a:avLst/>
+          </a:prstGeom>
+        </p:spPr>
+        <p:style>
+          <a:lnRef idx="2">
+            <a:schemeClr val="accent2">
+              <a:shade val="50000"/>
+            </a:schemeClr>
+          </a:lnRef>
+          <a:fillRef idx="1">
+            <a:schemeClr val="accent2"/>
+          </a:fillRef>
+          <a:effectRef idx="0">
+            <a:schemeClr val="accent2"/>
+          </a:effectRef>
+          <a:fontRef idx="minor">
+            <a:schemeClr val="lt1"/>
+          </a:fontRef>
+        </p:style>
+        <p:txBody>
+          <a:bodyPr rtlCol="0" anchor="ctr"/>
+          <a:lstStyle/>
+          <a:p>
+            <a:pPr algn="ctr"/>
+            <a:endParaRPr lang="de-DE"/>
+          </a:p>
+        </p:txBody>
+      </p:sp>
+      <p:sp>
+        <p:nvSpPr>
+          <p:cNvPr id="19" name="Multiplikationszeichen 18">
+            <a:extLst>
+              <a:ext uri="{FF2B5EF4-FFF2-40B4-BE49-F238E27FC236}">
+                <a16:creationId xmlns:a16="http://schemas.microsoft.com/office/drawing/2014/main" id="{F3E0C28F-91E4-74D1-4A1C-34175A514A9D}"/>
+              </a:ext>
+            </a:extLst>
+          </p:cNvPr>
+          <p:cNvSpPr/>
+          <p:nvPr/>
+        </p:nvSpPr>
+        <p:spPr>
+          <a:xfrm>
+            <a:off x="2176103" y="5665231"/>
+            <a:ext cx="224101" cy="219808"/>
+          </a:xfrm>
+          <a:prstGeom prst="mathMultiply">
+            <a:avLst/>
+          </a:prstGeom>
+        </p:spPr>
+        <p:style>
+          <a:lnRef idx="2">
+            <a:schemeClr val="accent2">
+              <a:shade val="50000"/>
+            </a:schemeClr>
+          </a:lnRef>
+          <a:fillRef idx="1">
+            <a:schemeClr val="accent2"/>
+          </a:fillRef>
+          <a:effectRef idx="0">
+            <a:schemeClr val="accent2"/>
+          </a:effectRef>
+          <a:fontRef idx="minor">
+            <a:schemeClr val="lt1"/>
+          </a:fontRef>
+        </p:style>
+        <p:txBody>
+          <a:bodyPr rtlCol="0" anchor="ctr"/>
+          <a:lstStyle/>
+          <a:p>
+            <a:pPr algn="ctr"/>
+            <a:endParaRPr lang="de-DE"/>
+          </a:p>
+        </p:txBody>
+      </p:sp>
+      <p:sp>
+        <p:nvSpPr>
+          <p:cNvPr id="20" name="Multiplikationszeichen 19">
+            <a:extLst>
+              <a:ext uri="{FF2B5EF4-FFF2-40B4-BE49-F238E27FC236}">
+                <a16:creationId xmlns:a16="http://schemas.microsoft.com/office/drawing/2014/main" id="{6614F9FA-0B9B-0FC0-63B1-5502298C2892}"/>
+              </a:ext>
+            </a:extLst>
+          </p:cNvPr>
+          <p:cNvSpPr/>
+          <p:nvPr/>
+        </p:nvSpPr>
+        <p:spPr>
+          <a:xfrm>
+            <a:off x="2719708" y="2350517"/>
+            <a:ext cx="224101" cy="219808"/>
+          </a:xfrm>
+          <a:prstGeom prst="mathMultiply">
+            <a:avLst/>
+          </a:prstGeom>
+        </p:spPr>
+        <p:style>
+          <a:lnRef idx="2">
+            <a:schemeClr val="accent2">
+              <a:shade val="50000"/>
+            </a:schemeClr>
+          </a:lnRef>
+          <a:fillRef idx="1">
+            <a:schemeClr val="accent2"/>
+          </a:fillRef>
+          <a:effectRef idx="0">
+            <a:schemeClr val="accent2"/>
+          </a:effectRef>
+          <a:fontRef idx="minor">
+            <a:schemeClr val="lt1"/>
+          </a:fontRef>
+        </p:style>
+        <p:txBody>
+          <a:bodyPr rtlCol="0" anchor="ctr"/>
+          <a:lstStyle/>
+          <a:p>
+            <a:pPr algn="ctr"/>
+            <a:endParaRPr lang="de-DE"/>
+          </a:p>
+        </p:txBody>
+      </p:sp>
+      <p:sp>
+        <p:nvSpPr>
+          <p:cNvPr id="21" name="Multiplikationszeichen 20">
+            <a:extLst>
+              <a:ext uri="{FF2B5EF4-FFF2-40B4-BE49-F238E27FC236}">
+                <a16:creationId xmlns:a16="http://schemas.microsoft.com/office/drawing/2014/main" id="{7D03AC86-1288-0D68-4381-F018C15D8C7B}"/>
+              </a:ext>
+            </a:extLst>
+          </p:cNvPr>
+          <p:cNvSpPr/>
+          <p:nvPr/>
+        </p:nvSpPr>
+        <p:spPr>
+          <a:xfrm>
+            <a:off x="2719908" y="5392669"/>
+            <a:ext cx="224101" cy="219808"/>
+          </a:xfrm>
+          <a:prstGeom prst="mathMultiply">
+            <a:avLst/>
+          </a:prstGeom>
+        </p:spPr>
+        <p:style>
+          <a:lnRef idx="2">
+            <a:schemeClr val="accent2">
+              <a:shade val="50000"/>
+            </a:schemeClr>
+          </a:lnRef>
+          <a:fillRef idx="1">
+            <a:schemeClr val="accent2"/>
+          </a:fillRef>
+          <a:effectRef idx="0">
+            <a:schemeClr val="accent2"/>
+          </a:effectRef>
+          <a:fontRef idx="minor">
+            <a:schemeClr val="lt1"/>
+          </a:fontRef>
+        </p:style>
+        <p:txBody>
+          <a:bodyPr rtlCol="0" anchor="ctr"/>
+          <a:lstStyle/>
+          <a:p>
+            <a:pPr algn="ctr"/>
+            <a:endParaRPr lang="de-DE"/>
+          </a:p>
+        </p:txBody>
+      </p:sp>
+      <p:sp>
+        <p:nvSpPr>
+          <p:cNvPr id="22" name="Multiplikationszeichen 21">
+            <a:extLst>
+              <a:ext uri="{FF2B5EF4-FFF2-40B4-BE49-F238E27FC236}">
+                <a16:creationId xmlns:a16="http://schemas.microsoft.com/office/drawing/2014/main" id="{801D5A54-7E90-69B6-73AD-A2E214A22391}"/>
+              </a:ext>
+            </a:extLst>
+          </p:cNvPr>
+          <p:cNvSpPr/>
+          <p:nvPr/>
+        </p:nvSpPr>
+        <p:spPr>
+          <a:xfrm>
+            <a:off x="8955596" y="2353394"/>
+            <a:ext cx="224101" cy="219808"/>
+          </a:xfrm>
+          <a:prstGeom prst="mathMultiply">
+            <a:avLst/>
+          </a:prstGeom>
+        </p:spPr>
+        <p:style>
+          <a:lnRef idx="2">
+            <a:schemeClr val="accent2">
+              <a:shade val="50000"/>
+            </a:schemeClr>
+          </a:lnRef>
+          <a:fillRef idx="1">
+            <a:schemeClr val="accent2"/>
+          </a:fillRef>
+          <a:effectRef idx="0">
+            <a:schemeClr val="accent2"/>
+          </a:effectRef>
+          <a:fontRef idx="minor">
+            <a:schemeClr val="lt1"/>
+          </a:fontRef>
+        </p:style>
+        <p:txBody>
+          <a:bodyPr rtlCol="0" anchor="ctr"/>
+          <a:lstStyle/>
+          <a:p>
+            <a:pPr algn="ctr"/>
+            <a:endParaRPr lang="de-DE"/>
+          </a:p>
+        </p:txBody>
+      </p:sp>
+      <p:sp>
+        <p:nvSpPr>
+          <p:cNvPr id="23" name="Multiplikationszeichen 22">
+            <a:extLst>
+              <a:ext uri="{FF2B5EF4-FFF2-40B4-BE49-F238E27FC236}">
+                <a16:creationId xmlns:a16="http://schemas.microsoft.com/office/drawing/2014/main" id="{2D612405-B4DF-D504-9AF6-F4C16A8E00B3}"/>
+              </a:ext>
+            </a:extLst>
+          </p:cNvPr>
+          <p:cNvSpPr/>
+          <p:nvPr/>
+        </p:nvSpPr>
+        <p:spPr>
+          <a:xfrm>
+            <a:off x="9425700" y="2385591"/>
+            <a:ext cx="224101" cy="219808"/>
+          </a:xfrm>
+          <a:prstGeom prst="mathMultiply">
+            <a:avLst/>
+          </a:prstGeom>
+        </p:spPr>
+        <p:style>
+          <a:lnRef idx="2">
+            <a:schemeClr val="accent2">
+              <a:shade val="50000"/>
+            </a:schemeClr>
+          </a:lnRef>
+          <a:fillRef idx="1">
+            <a:schemeClr val="accent2"/>
+          </a:fillRef>
+          <a:effectRef idx="0">
+            <a:schemeClr val="accent2"/>
+          </a:effectRef>
+          <a:fontRef idx="minor">
+            <a:schemeClr val="lt1"/>
+          </a:fontRef>
+        </p:style>
+        <p:txBody>
+          <a:bodyPr rtlCol="0" anchor="ctr"/>
+          <a:lstStyle/>
+          <a:p>
+            <a:pPr algn="ctr"/>
+            <a:endParaRPr lang="de-DE"/>
+          </a:p>
+        </p:txBody>
+      </p:sp>
+      <p:sp>
+        <p:nvSpPr>
+          <p:cNvPr id="24" name="Multiplikationszeichen 23">
+            <a:extLst>
+              <a:ext uri="{FF2B5EF4-FFF2-40B4-BE49-F238E27FC236}">
+                <a16:creationId xmlns:a16="http://schemas.microsoft.com/office/drawing/2014/main" id="{1F02CBDA-A2F1-D431-A717-D1C00A8CA788}"/>
+              </a:ext>
+            </a:extLst>
+          </p:cNvPr>
+          <p:cNvSpPr/>
+          <p:nvPr/>
+        </p:nvSpPr>
+        <p:spPr>
+          <a:xfrm>
+            <a:off x="8951935" y="5373578"/>
+            <a:ext cx="224101" cy="219808"/>
+          </a:xfrm>
+          <a:prstGeom prst="mathMultiply">
+            <a:avLst/>
+          </a:prstGeom>
+        </p:spPr>
+        <p:style>
+          <a:lnRef idx="2">
+            <a:schemeClr val="accent2">
+              <a:shade val="50000"/>
+            </a:schemeClr>
+          </a:lnRef>
+          <a:fillRef idx="1">
+            <a:schemeClr val="accent2"/>
+          </a:fillRef>
+          <a:effectRef idx="0">
+            <a:schemeClr val="accent2"/>
+          </a:effectRef>
+          <a:fontRef idx="minor">
+            <a:schemeClr val="lt1"/>
+          </a:fontRef>
+        </p:style>
+        <p:txBody>
+          <a:bodyPr rtlCol="0" anchor="ctr"/>
+          <a:lstStyle/>
+          <a:p>
+            <a:pPr algn="ctr"/>
+            <a:endParaRPr lang="de-DE"/>
+          </a:p>
+        </p:txBody>
+      </p:sp>
+      <p:sp>
+        <p:nvSpPr>
+          <p:cNvPr id="25" name="Multiplikationszeichen 24">
+            <a:extLst>
+              <a:ext uri="{FF2B5EF4-FFF2-40B4-BE49-F238E27FC236}">
+                <a16:creationId xmlns:a16="http://schemas.microsoft.com/office/drawing/2014/main" id="{BAD70FF8-B0AB-BB2C-4943-49AE01B0B15A}"/>
+              </a:ext>
+            </a:extLst>
+          </p:cNvPr>
+          <p:cNvSpPr/>
+          <p:nvPr/>
+        </p:nvSpPr>
+        <p:spPr>
+          <a:xfrm>
+            <a:off x="9448118" y="5687171"/>
+            <a:ext cx="224101" cy="219808"/>
+          </a:xfrm>
+          <a:prstGeom prst="mathMultiply">
+            <a:avLst/>
+          </a:prstGeom>
+        </p:spPr>
+        <p:style>
+          <a:lnRef idx="2">
+            <a:schemeClr val="accent2">
+              <a:shade val="50000"/>
+            </a:schemeClr>
+          </a:lnRef>
+          <a:fillRef idx="1">
+            <a:schemeClr val="accent2"/>
+          </a:fillRef>
+          <a:effectRef idx="0">
+            <a:schemeClr val="accent2"/>
+          </a:effectRef>
+          <a:fontRef idx="minor">
+            <a:schemeClr val="lt1"/>
+          </a:fontRef>
+        </p:style>
+        <p:txBody>
+          <a:bodyPr rtlCol="0" anchor="ctr"/>
+          <a:lstStyle/>
+          <a:p>
+            <a:pPr algn="ctr"/>
+            <a:endParaRPr lang="de-DE"/>
+          </a:p>
+        </p:txBody>
+      </p:sp>
+      <p:sp>
+        <p:nvSpPr>
+          <p:cNvPr id="7" name="Textfeld 6">
+            <a:extLst>
+              <a:ext uri="{FF2B5EF4-FFF2-40B4-BE49-F238E27FC236}">
+                <a16:creationId xmlns:a16="http://schemas.microsoft.com/office/drawing/2014/main" id="{FFE1A50A-B583-FEB9-EEFB-0D43EC3DB1CA}"/>
+              </a:ext>
+            </a:extLst>
+          </p:cNvPr>
+          <p:cNvSpPr txBox="1"/>
+          <p:nvPr/>
+        </p:nvSpPr>
+        <p:spPr>
+          <a:xfrm>
+            <a:off x="1188530" y="2271318"/>
+            <a:ext cx="1156086" cy="369332"/>
+          </a:xfrm>
+          <a:prstGeom prst="rect">
+            <a:avLst/>
+          </a:prstGeom>
+          <a:noFill/>
+        </p:spPr>
+        <p:txBody>
+          <a:bodyPr wrap="none" rtlCol="0">
+            <a:spAutoFit/>
+          </a:bodyPr>
+          <a:lstStyle/>
+          <a:p>
+            <a:r>
+              <a:rPr lang="de-DE" dirty="0"/>
+              <a:t>(290,-550)</a:t>
+            </a:r>
+          </a:p>
+        </p:txBody>
+      </p:sp>
+      <p:sp>
+        <p:nvSpPr>
+          <p:cNvPr id="8" name="Textfeld 7">
+            <a:extLst>
+              <a:ext uri="{FF2B5EF4-FFF2-40B4-BE49-F238E27FC236}">
+                <a16:creationId xmlns:a16="http://schemas.microsoft.com/office/drawing/2014/main" id="{14ED06E0-EB1C-C918-B2BC-23347D8BCD81}"/>
+              </a:ext>
+            </a:extLst>
+          </p:cNvPr>
+          <p:cNvSpPr txBox="1"/>
+          <p:nvPr/>
+        </p:nvSpPr>
+        <p:spPr>
+          <a:xfrm>
+            <a:off x="1188530" y="5629980"/>
+            <a:ext cx="1156086" cy="369332"/>
+          </a:xfrm>
+          <a:prstGeom prst="rect">
+            <a:avLst/>
+          </a:prstGeom>
+          <a:noFill/>
+        </p:spPr>
+        <p:txBody>
+          <a:bodyPr wrap="none" rtlCol="0">
+            <a:spAutoFit/>
+          </a:bodyPr>
+          <a:lstStyle/>
+          <a:p>
+            <a:r>
+              <a:rPr lang="de-DE" dirty="0"/>
+              <a:t>(290,-310)</a:t>
+            </a:r>
+          </a:p>
+        </p:txBody>
+      </p:sp>
+    </p:spTree>
+    <p:extLst>
+      <p:ext uri="{BB962C8B-B14F-4D97-AF65-F5344CB8AC3E}">
+        <p14:creationId xmlns:p14="http://schemas.microsoft.com/office/powerpoint/2010/main" val="1757772075"/>
       </p:ext>
     </p:extLst>
   </p:cSld>
